--- a/Woman Lead.pptx
+++ b/Woman Lead.pptx
@@ -4432,7 +4432,7 @@
         <p:spPr>
           <a:xfrm>
             <a:off x="779320" y="727364"/>
-            <a:ext cx="6224151" cy="3416320"/>
+            <a:ext cx="6224151" cy="3693319"/>
           </a:xfrm>
           <a:prstGeom prst="rect">
             <a:avLst/>
@@ -4506,13 +4506,13 @@
               <a:t>pvalue</a:t>
             </a:r>
             <a:r>
-              <a:rPr lang="en-US" altLang="en-US" dirty="0">
+              <a:rPr lang="en-US" altLang="en-US">
                 <a:solidFill>
                   <a:srgbClr val="000000"/>
                 </a:solidFill>
                 <a:cs typeface="Courier New" panose="02070309020205020404" pitchFamily="49" charset="0"/>
               </a:rPr>
-              <a:t>= 1.088734</a:t>
+              <a:t>= 1.0887347320163237e-14</a:t>
             </a:r>
             <a:endParaRPr lang="en-US" altLang="en-US" sz="4000" dirty="0"/>
           </a:p>
